--- a/Documentation/GradientDescent.pptx
+++ b/Documentation/GradientDescent.pptx
@@ -116,12 +116,77 @@
 <p1510:revInfo xmlns:a="http://schemas.openxmlformats.org/drawingml/2006/main" xmlns:r="http://schemas.openxmlformats.org/officeDocument/2006/relationships" xmlns:p1510="http://schemas.microsoft.com/office/powerpoint/2015/10/main">
   <p1510:revLst>
     <p1510:client id="{B018C4F2-1DC7-4BF1-89DA-62CFE3E0B4CB}" v="427" dt="2022-01-18T13:33:11.169"/>
+    <p1510:client id="{E42F2167-0355-4690-BFF8-2B933E2E6379}" v="21" dt="2022-01-18T14:46:56.498"/>
   </p1510:revLst>
 </p1510:revInfo>
 </file>
 
 <file path=ppt/changesInfos/changesInfo1.xml><?xml version="1.0" encoding="utf-8"?>
 <pc:chgInfo xmlns:a="http://schemas.openxmlformats.org/drawingml/2006/main" xmlns:r="http://schemas.openxmlformats.org/officeDocument/2006/relationships" xmlns:ac="http://schemas.microsoft.com/office/drawing/2013/main/command" xmlns:pc="http://schemas.microsoft.com/office/powerpoint/2013/main/command">
+  <pc:docChgLst>
+    <pc:chgData name="Juhani Kauppi" userId="7aea86bdef93781e" providerId="LiveId" clId="{E42F2167-0355-4690-BFF8-2B933E2E6379}"/>
+    <pc:docChg chg="undo custSel modSld">
+      <pc:chgData name="Juhani Kauppi" userId="7aea86bdef93781e" providerId="LiveId" clId="{E42F2167-0355-4690-BFF8-2B933E2E6379}" dt="2022-01-18T14:46:56.498" v="104"/>
+      <pc:docMkLst>
+        <pc:docMk/>
+      </pc:docMkLst>
+      <pc:sldChg chg="addSp modSp mod modAnim">
+        <pc:chgData name="Juhani Kauppi" userId="7aea86bdef93781e" providerId="LiveId" clId="{E42F2167-0355-4690-BFF8-2B933E2E6379}" dt="2022-01-18T14:46:56.498" v="104"/>
+        <pc:sldMkLst>
+          <pc:docMk/>
+          <pc:sldMk cId="3386780469" sldId="256"/>
+        </pc:sldMkLst>
+        <pc:spChg chg="mod">
+          <ac:chgData name="Juhani Kauppi" userId="7aea86bdef93781e" providerId="LiveId" clId="{E42F2167-0355-4690-BFF8-2B933E2E6379}" dt="2022-01-18T14:41:00.655" v="58" actId="14100"/>
+          <ac:spMkLst>
+            <pc:docMk/>
+            <pc:sldMk cId="3386780469" sldId="256"/>
+            <ac:spMk id="34" creationId="{FD875D28-1400-4617-B944-C4C3DEB149C3}"/>
+          </ac:spMkLst>
+        </pc:spChg>
+        <pc:spChg chg="mod">
+          <ac:chgData name="Juhani Kauppi" userId="7aea86bdef93781e" providerId="LiveId" clId="{E42F2167-0355-4690-BFF8-2B933E2E6379}" dt="2022-01-18T14:40:54.721" v="57" actId="14100"/>
+          <ac:spMkLst>
+            <pc:docMk/>
+            <pc:sldMk cId="3386780469" sldId="256"/>
+            <ac:spMk id="35" creationId="{FE1F3EB9-6359-49FF-BDE7-769E3D300561}"/>
+          </ac:spMkLst>
+        </pc:spChg>
+        <pc:spChg chg="mod">
+          <ac:chgData name="Juhani Kauppi" userId="7aea86bdef93781e" providerId="LiveId" clId="{E42F2167-0355-4690-BFF8-2B933E2E6379}" dt="2022-01-18T14:40:28.962" v="18" actId="1037"/>
+          <ac:spMkLst>
+            <pc:docMk/>
+            <pc:sldMk cId="3386780469" sldId="256"/>
+            <ac:spMk id="37" creationId="{771C5E5B-19BF-4242-ACB5-B854D1DD71BF}"/>
+          </ac:spMkLst>
+        </pc:spChg>
+        <pc:spChg chg="mod">
+          <ac:chgData name="Juhani Kauppi" userId="7aea86bdef93781e" providerId="LiveId" clId="{E42F2167-0355-4690-BFF8-2B933E2E6379}" dt="2022-01-18T14:40:45.757" v="56" actId="1037"/>
+          <ac:spMkLst>
+            <pc:docMk/>
+            <pc:sldMk cId="3386780469" sldId="256"/>
+            <ac:spMk id="40" creationId="{15E90492-8823-4484-A4CF-C48594DEAF1D}"/>
+          </ac:spMkLst>
+        </pc:spChg>
+        <pc:spChg chg="add mod">
+          <ac:chgData name="Juhani Kauppi" userId="7aea86bdef93781e" providerId="LiveId" clId="{E42F2167-0355-4690-BFF8-2B933E2E6379}" dt="2022-01-18T14:41:46.319" v="80" actId="1076"/>
+          <ac:spMkLst>
+            <pc:docMk/>
+            <pc:sldMk cId="3386780469" sldId="256"/>
+            <ac:spMk id="53" creationId="{D0C08B9F-3D6B-440D-B8CD-817AD562DC05}"/>
+          </ac:spMkLst>
+        </pc:spChg>
+        <pc:spChg chg="add mod">
+          <ac:chgData name="Juhani Kauppi" userId="7aea86bdef93781e" providerId="LiveId" clId="{E42F2167-0355-4690-BFF8-2B933E2E6379}" dt="2022-01-18T14:45:04.451" v="100" actId="688"/>
+          <ac:spMkLst>
+            <pc:docMk/>
+            <pc:sldMk cId="3386780469" sldId="256"/>
+            <ac:spMk id="54" creationId="{64297B3F-2602-4EFE-B3F4-AFF5A40A912D}"/>
+          </ac:spMkLst>
+        </pc:spChg>
+      </pc:sldChg>
+    </pc:docChg>
+  </pc:docChgLst>
   <pc:docChgLst>
     <pc:chgData name="Juhani Kauppi" userId="7aea86bdef93781e" providerId="LiveId" clId="{B018C4F2-1DC7-4BF1-89DA-62CFE3E0B4CB}"/>
     <pc:docChg chg="undo custSel modSld">
@@ -4853,8 +4918,8 @@
         </p:nvSpPr>
         <p:spPr>
           <a:xfrm>
-            <a:off x="8821413" y="3162792"/>
-            <a:ext cx="1276597" cy="529446"/>
+            <a:off x="8821414" y="3162792"/>
+            <a:ext cx="943110" cy="529446"/>
           </a:xfrm>
           <a:prstGeom prst="rect">
             <a:avLst/>
@@ -4906,8 +4971,8 @@
         </p:nvSpPr>
         <p:spPr>
           <a:xfrm>
-            <a:off x="6144397" y="3155049"/>
-            <a:ext cx="1276597" cy="529446"/>
+            <a:off x="6144398" y="3155049"/>
+            <a:ext cx="948792" cy="529446"/>
           </a:xfrm>
           <a:prstGeom prst="rect">
             <a:avLst/>
@@ -5074,8 +5139,8 @@
         </p:nvSpPr>
         <p:spPr>
           <a:xfrm>
-            <a:off x="5223716" y="2035708"/>
-            <a:ext cx="1276597" cy="667445"/>
+            <a:off x="4877084" y="2035708"/>
+            <a:ext cx="920681" cy="667445"/>
           </a:xfrm>
           <a:prstGeom prst="rect">
             <a:avLst/>
@@ -5416,8 +5481,8 @@
         </p:nvSpPr>
         <p:spPr>
           <a:xfrm>
-            <a:off x="7742799" y="2038700"/>
-            <a:ext cx="1276597" cy="667445"/>
+            <a:off x="7360316" y="2038700"/>
+            <a:ext cx="965891" cy="667445"/>
           </a:xfrm>
           <a:prstGeom prst="rect">
             <a:avLst/>
@@ -6043,6 +6108,115 @@
           </a:p>
         </p:txBody>
       </p:sp>
+      <p:sp>
+        <p:nvSpPr>
+          <p:cNvPr id="53" name="Rectangle 52">
+            <a:extLst>
+              <a:ext uri="{FF2B5EF4-FFF2-40B4-BE49-F238E27FC236}">
+                <a16:creationId xmlns:a16="http://schemas.microsoft.com/office/drawing/2014/main" id="{D0C08B9F-3D6B-440D-B8CD-817AD562DC05}"/>
+              </a:ext>
+            </a:extLst>
+          </p:cNvPr>
+          <p:cNvSpPr/>
+          <p:nvPr/>
+        </p:nvSpPr>
+        <p:spPr>
+          <a:xfrm>
+            <a:off x="5994765" y="533956"/>
+            <a:ext cx="986625" cy="529445"/>
+          </a:xfrm>
+          <a:prstGeom prst="rect">
+            <a:avLst/>
+          </a:prstGeom>
+          <a:solidFill>
+            <a:srgbClr val="FFC000"/>
+          </a:solidFill>
+        </p:spPr>
+        <p:style>
+          <a:lnRef idx="2">
+            <a:schemeClr val="accent1">
+              <a:shade val="50000"/>
+            </a:schemeClr>
+          </a:lnRef>
+          <a:fillRef idx="1">
+            <a:schemeClr val="accent1"/>
+          </a:fillRef>
+          <a:effectRef idx="0">
+            <a:schemeClr val="accent1"/>
+          </a:effectRef>
+          <a:fontRef idx="minor">
+            <a:schemeClr val="lt1"/>
+          </a:fontRef>
+        </p:style>
+        <p:txBody>
+          <a:bodyPr rtlCol="0" anchor="ctr"/>
+          <a:lstStyle/>
+          <a:p>
+            <a:pPr algn="ctr"/>
+            <a:r>
+              <a:rPr lang="en-GB" dirty="0"/>
+              <a:t>Learning</a:t>
+            </a:r>
+          </a:p>
+          <a:p>
+            <a:pPr algn="ctr"/>
+            <a:r>
+              <a:rPr lang="en-GB" dirty="0"/>
+              <a:t>Rate</a:t>
+            </a:r>
+            <a:endParaRPr lang="en-FI" dirty="0"/>
+          </a:p>
+        </p:txBody>
+      </p:sp>
+      <p:sp>
+        <p:nvSpPr>
+          <p:cNvPr id="54" name="Arrow: Right 53">
+            <a:extLst>
+              <a:ext uri="{FF2B5EF4-FFF2-40B4-BE49-F238E27FC236}">
+                <a16:creationId xmlns:a16="http://schemas.microsoft.com/office/drawing/2014/main" id="{64297B3F-2602-4EFE-B3F4-AFF5A40A912D}"/>
+              </a:ext>
+            </a:extLst>
+          </p:cNvPr>
+          <p:cNvSpPr/>
+          <p:nvPr/>
+        </p:nvSpPr>
+        <p:spPr>
+          <a:xfrm rot="1066533">
+            <a:off x="6312821" y="991780"/>
+            <a:ext cx="420514" cy="143240"/>
+          </a:xfrm>
+          <a:prstGeom prst="rightArrow">
+            <a:avLst/>
+          </a:prstGeom>
+          <a:solidFill>
+            <a:srgbClr val="FFC000"/>
+          </a:solidFill>
+        </p:spPr>
+        <p:style>
+          <a:lnRef idx="2">
+            <a:schemeClr val="accent1">
+              <a:shade val="50000"/>
+            </a:schemeClr>
+          </a:lnRef>
+          <a:fillRef idx="1">
+            <a:schemeClr val="accent1"/>
+          </a:fillRef>
+          <a:effectRef idx="0">
+            <a:schemeClr val="accent1"/>
+          </a:effectRef>
+          <a:fontRef idx="minor">
+            <a:schemeClr val="lt1"/>
+          </a:fontRef>
+        </p:style>
+        <p:txBody>
+          <a:bodyPr rtlCol="0" anchor="ctr"/>
+          <a:lstStyle/>
+          <a:p>
+            <a:pPr algn="ctr"/>
+            <a:endParaRPr lang="en-FI"/>
+          </a:p>
+        </p:txBody>
+      </p:sp>
     </p:spTree>
     <p:custDataLst>
       <p:tags r:id="rId1"/>
@@ -6056,11 +6230,11 @@
   <p:clrMapOvr>
     <a:masterClrMapping/>
   </p:clrMapOvr>
-  <mc:AlternateContent xmlns:mc="http://schemas.openxmlformats.org/markup-compatibility/2006">
-    <mc:Choice xmlns:p14="http://schemas.microsoft.com/office/powerpoint/2010/main" Requires="p14">
+  <mc:AlternateContent xmlns:mc="http://schemas.openxmlformats.org/markup-compatibility/2006" xmlns:p14="http://schemas.microsoft.com/office/powerpoint/2010/main">
+    <mc:Choice Requires="p14">
       <p:transition spd="slow" p14:dur="2000" advTm="22790"/>
     </mc:Choice>
-    <mc:Fallback>
+    <mc:Fallback xmlns="">
       <p:transition spd="slow" advTm="22790"/>
     </mc:Fallback>
   </mc:AlternateContent>
@@ -7357,24 +7531,59 @@
                                   </p:childTnLst>
                                 </p:cTn>
                               </p:par>
+                              <p:par>
+                                <p:cTn id="119" presetID="10" presetClass="entr" presetSubtype="0" fill="hold" grpId="0" nodeType="withEffect">
+                                  <p:stCondLst>
+                                    <p:cond delay="0"/>
+                                  </p:stCondLst>
+                                  <p:childTnLst>
+                                    <p:set>
+                                      <p:cBhvr>
+                                        <p:cTn id="120" dur="1" fill="hold">
+                                          <p:stCondLst>
+                                            <p:cond delay="0"/>
+                                          </p:stCondLst>
+                                        </p:cTn>
+                                        <p:tgtEl>
+                                          <p:spTgt spid="54"/>
+                                        </p:tgtEl>
+                                        <p:attrNameLst>
+                                          <p:attrName>style.visibility</p:attrName>
+                                        </p:attrNameLst>
+                                      </p:cBhvr>
+                                      <p:to>
+                                        <p:strVal val="visible"/>
+                                      </p:to>
+                                    </p:set>
+                                    <p:animEffect transition="in" filter="fade">
+                                      <p:cBhvr>
+                                        <p:cTn id="121" dur="1000"/>
+                                        <p:tgtEl>
+                                          <p:spTgt spid="54"/>
+                                        </p:tgtEl>
+                                      </p:cBhvr>
+                                    </p:animEffect>
+                                  </p:childTnLst>
+                                </p:cTn>
+                              </p:par>
                             </p:childTnLst>
                           </p:cTn>
                         </p:par>
                         <p:par>
-                          <p:cTn id="119" fill="hold">
+                          <p:cTn id="122" fill="hold">
                             <p:stCondLst>
                               <p:cond delay="32500"/>
                             </p:stCondLst>
                             <p:childTnLst>
                               <p:par>
-                                <p:cTn id="120" presetID="42" presetClass="path" presetSubtype="0" accel="50000" decel="50000" fill="hold" grpId="1" nodeType="afterEffect">
+                                <p:cTn id="123" presetID="42" presetClass="path" presetSubtype="0" accel="50000" decel="50000" fill="hold" grpId="1" nodeType="afterEffect">
                                   <p:stCondLst>
                                     <p:cond delay="0"/>
                                   </p:stCondLst>
                                   <p:childTnLst>
                                     <p:animMotion origin="layout" path="M 1.04167E-6 -1.48148E-6 L -0.04636 -0.20046 " pathEditMode="relative" rAng="0" ptsTypes="AA">
                                       <p:cBhvr>
-                                        <p:cTn id="121" dur="2000" fill="hold"/>
+                                        <p:cTn id="124" dur="2000" fill="hold"/>
                                         <p:tgtEl>
                                           <p:spTgt spid="47"/>
                                         </p:tgtEl>
@@ -7389,14 +7598,14 @@
                                 </p:cTn>
                               </p:par>
                               <p:par>
-                                <p:cTn id="122" presetID="42" presetClass="path" presetSubtype="0" accel="50000" decel="50000" fill="hold" grpId="1" nodeType="withEffect">
+                                <p:cTn id="125" presetID="42" presetClass="path" presetSubtype="0" accel="50000" decel="50000" fill="hold" grpId="1" nodeType="withEffect">
                                   <p:stCondLst>
                                     <p:cond delay="0"/>
                                   </p:stCondLst>
                                   <p:childTnLst>
                                     <p:animMotion origin="layout" path="M 3.95833E-6 -2.59259E-6 L -0.04636 -0.20046 " pathEditMode="relative" rAng="0" ptsTypes="AA">
                                       <p:cBhvr>
-                                        <p:cTn id="123" dur="2000" fill="hold"/>
+                                        <p:cTn id="126" dur="2000" fill="hold"/>
                                         <p:tgtEl>
                                           <p:spTgt spid="48"/>
                                         </p:tgtEl>
@@ -7406,6 +7615,28 @@
                                         </p:attrNameLst>
                                       </p:cBhvr>
                                       <p:rCtr x="-2318" y="-10023"/>
+                                    </p:animMotion>
+                                  </p:childTnLst>
+                                </p:cTn>
+                              </p:par>
+                              <p:par>
+                                <p:cTn id="127" presetID="42" presetClass="path" presetSubtype="0" accel="50000" decel="50000" fill="hold" grpId="1" nodeType="withEffect">
+                                  <p:stCondLst>
+                                    <p:cond delay="0"/>
+                                  </p:stCondLst>
+                                  <p:childTnLst>
+                                    <p:animMotion origin="layout" path="M 3.95833E-6 -2.59259E-6 L 0.07343 0.03519 " pathEditMode="relative" rAng="0" ptsTypes="AA">
+                                      <p:cBhvr>
+                                        <p:cTn id="128" dur="2000" fill="hold"/>
+                                        <p:tgtEl>
+                                          <p:spTgt spid="54"/>
+                                        </p:tgtEl>
+                                        <p:attrNameLst>
+                                          <p:attrName>ppt_x</p:attrName>
+                                          <p:attrName>ppt_y</p:attrName>
+                                        </p:attrNameLst>
+                                      </p:cBhvr>
+                                      <p:rCtr x="3672" y="1759"/>
                                     </p:animMotion>
                                   </p:childTnLst>
                                 </p:cTn>
@@ -7414,20 +7645,20 @@
                           </p:cTn>
                         </p:par>
                         <p:par>
-                          <p:cTn id="124" fill="hold">
+                          <p:cTn id="129" fill="hold">
                             <p:stCondLst>
                               <p:cond delay="34500"/>
                             </p:stCondLst>
                             <p:childTnLst>
                               <p:par>
-                                <p:cTn id="125" presetID="10" presetClass="exit" presetSubtype="0" fill="hold" grpId="2" nodeType="afterEffect">
+                                <p:cTn id="130" presetID="10" presetClass="exit" presetSubtype="0" fill="hold" grpId="2" nodeType="afterEffect">
                                   <p:stCondLst>
                                     <p:cond delay="0"/>
                                   </p:stCondLst>
                                   <p:childTnLst>
                                     <p:animEffect transition="out" filter="fade">
                                       <p:cBhvr>
-                                        <p:cTn id="126" dur="2000"/>
+                                        <p:cTn id="131" dur="2000"/>
                                         <p:tgtEl>
                                           <p:spTgt spid="47"/>
                                         </p:tgtEl>
@@ -7435,7 +7666,7 @@
                                     </p:animEffect>
                                     <p:set>
                                       <p:cBhvr>
-                                        <p:cTn id="127" dur="1" fill="hold">
+                                        <p:cTn id="132" dur="1" fill="hold">
                                           <p:stCondLst>
                                             <p:cond delay="1999"/>
                                           </p:stCondLst>
@@ -7455,14 +7686,14 @@
                                 </p:cTn>
                               </p:par>
                               <p:par>
-                                <p:cTn id="128" presetID="10" presetClass="exit" presetSubtype="0" fill="hold" grpId="2" nodeType="withEffect">
+                                <p:cTn id="133" presetID="10" presetClass="exit" presetSubtype="0" fill="hold" grpId="2" nodeType="withEffect">
                                   <p:stCondLst>
                                     <p:cond delay="0"/>
                                   </p:stCondLst>
                                   <p:childTnLst>
                                     <p:animEffect transition="out" filter="fade">
                                       <p:cBhvr>
-                                        <p:cTn id="129" dur="2000"/>
+                                        <p:cTn id="134" dur="2000"/>
                                         <p:tgtEl>
                                           <p:spTgt spid="48"/>
                                         </p:tgtEl>
@@ -7470,7 +7701,7 @@
                                     </p:animEffect>
                                     <p:set>
                                       <p:cBhvr>
-                                        <p:cTn id="130" dur="1" fill="hold">
+                                        <p:cTn id="135" dur="1" fill="hold">
                                           <p:stCondLst>
                                             <p:cond delay="1999"/>
                                           </p:stCondLst>
@@ -7490,22 +7721,57 @@
                                 </p:cTn>
                               </p:par>
                               <p:par>
-                                <p:cTn id="131" presetID="10" presetClass="exit" presetSubtype="0" fill="hold" grpId="1" nodeType="withEffect">
+                                <p:cTn id="136" presetID="10" presetClass="exit" presetSubtype="0" fill="hold" grpId="2" nodeType="withEffect">
                                   <p:stCondLst>
                                     <p:cond delay="0"/>
                                   </p:stCondLst>
                                   <p:childTnLst>
                                     <p:animEffect transition="out" filter="fade">
                                       <p:cBhvr>
-                                        <p:cTn id="132" dur="2000"/>
-                                        <p:tgtEl>
-                                          <p:spTgt spid="33"/>
+                                        <p:cTn id="137" dur="2000"/>
+                                        <p:tgtEl>
+                                          <p:spTgt spid="54"/>
                                         </p:tgtEl>
                                       </p:cBhvr>
                                     </p:animEffect>
                                     <p:set>
                                       <p:cBhvr>
-                                        <p:cTn id="133" dur="1" fill="hold">
+                                        <p:cTn id="138" dur="1" fill="hold">
+                                          <p:stCondLst>
+                                            <p:cond delay="1999"/>
+                                          </p:stCondLst>
+                                        </p:cTn>
+                                        <p:tgtEl>
+                                          <p:spTgt spid="54"/>
+                                        </p:tgtEl>
+                                        <p:attrNameLst>
+                                          <p:attrName>style.visibility</p:attrName>
+                                        </p:attrNameLst>
+                                      </p:cBhvr>
+                                      <p:to>
+                                        <p:strVal val="hidden"/>
+                                      </p:to>
+                                    </p:set>
+                                  </p:childTnLst>
+                                </p:cTn>
+                              </p:par>
+                              <p:par>
+                                <p:cTn id="139" presetID="10" presetClass="exit" presetSubtype="0" fill="hold" grpId="1" nodeType="withEffect">
+                                  <p:stCondLst>
+                                    <p:cond delay="0"/>
+                                  </p:stCondLst>
+                                  <p:childTnLst>
+                                    <p:animEffect transition="out" filter="fade">
+                                      <p:cBhvr>
+                                        <p:cTn id="140" dur="2000"/>
+                                        <p:tgtEl>
+                                          <p:spTgt spid="33"/>
+                                        </p:tgtEl>
+                                      </p:cBhvr>
+                                    </p:animEffect>
+                                    <p:set>
+                                      <p:cBhvr>
+                                        <p:cTn id="141" dur="1" fill="hold">
                                           <p:stCondLst>
                                             <p:cond delay="1999"/>
                                           </p:stCondLst>
@@ -7528,20 +7794,20 @@
                           </p:cTn>
                         </p:par>
                         <p:par>
-                          <p:cTn id="134" fill="hold">
+                          <p:cTn id="142" fill="hold">
                             <p:stCondLst>
                               <p:cond delay="36500"/>
                             </p:stCondLst>
                             <p:childTnLst>
                               <p:par>
-                                <p:cTn id="135" presetID="10" presetClass="entr" presetSubtype="0" fill="hold" grpId="0" nodeType="afterEffect">
+                                <p:cTn id="143" presetID="10" presetClass="entr" presetSubtype="0" fill="hold" grpId="0" nodeType="afterEffect">
                                   <p:stCondLst>
                                     <p:cond delay="0"/>
                                   </p:stCondLst>
                                   <p:childTnLst>
                                     <p:set>
                                       <p:cBhvr>
-                                        <p:cTn id="136" dur="1" fill="hold">
+                                        <p:cTn id="144" dur="1" fill="hold">
                                           <p:stCondLst>
                                             <p:cond delay="0"/>
                                           </p:stCondLst>
@@ -7559,7 +7825,7 @@
                                     </p:set>
                                     <p:animEffect transition="in" filter="fade">
                                       <p:cBhvr>
-                                        <p:cTn id="137" dur="2000"/>
+                                        <p:cTn id="145" dur="2000"/>
                                         <p:tgtEl>
                                           <p:spTgt spid="35"/>
                                         </p:tgtEl>
@@ -7572,20 +7838,20 @@
                           </p:cTn>
                         </p:par>
                         <p:par>
-                          <p:cTn id="138" fill="hold">
+                          <p:cTn id="146" fill="hold">
                             <p:stCondLst>
                               <p:cond delay="38500"/>
                             </p:stCondLst>
                             <p:childTnLst>
                               <p:par>
-                                <p:cTn id="139" presetID="10" presetClass="entr" presetSubtype="0" fill="hold" grpId="0" nodeType="afterEffect">
+                                <p:cTn id="147" presetID="10" presetClass="entr" presetSubtype="0" fill="hold" grpId="0" nodeType="afterEffect">
                                   <p:stCondLst>
                                     <p:cond delay="0"/>
                                   </p:stCondLst>
                                   <p:childTnLst>
                                     <p:set>
                                       <p:cBhvr>
-                                        <p:cTn id="140" dur="1" fill="hold">
+                                        <p:cTn id="148" dur="1" fill="hold">
                                           <p:stCondLst>
                                             <p:cond delay="0"/>
                                           </p:stCondLst>
@@ -7603,7 +7869,7 @@
                                     </p:set>
                                     <p:animEffect transition="in" filter="fade">
                                       <p:cBhvr>
-                                        <p:cTn id="141" dur="2000"/>
+                                        <p:cTn id="149" dur="2000"/>
                                         <p:tgtEl>
                                           <p:spTgt spid="49"/>
                                         </p:tgtEl>
@@ -7613,14 +7879,14 @@
                                 </p:cTn>
                               </p:par>
                               <p:par>
-                                <p:cTn id="142" presetID="10" presetClass="entr" presetSubtype="0" fill="hold" grpId="0" nodeType="withEffect">
+                                <p:cTn id="150" presetID="10" presetClass="entr" presetSubtype="0" fill="hold" grpId="0" nodeType="withEffect">
                                   <p:stCondLst>
                                     <p:cond delay="0"/>
                                   </p:stCondLst>
                                   <p:childTnLst>
                                     <p:set>
                                       <p:cBhvr>
-                                        <p:cTn id="143" dur="1" fill="hold">
+                                        <p:cTn id="151" dur="1" fill="hold">
                                           <p:stCondLst>
                                             <p:cond delay="0"/>
                                           </p:stCondLst>
@@ -7638,7 +7904,7 @@
                                     </p:set>
                                     <p:animEffect transition="in" filter="fade">
                                       <p:cBhvr>
-                                        <p:cTn id="144" dur="2000"/>
+                                        <p:cTn id="152" dur="2000"/>
                                         <p:tgtEl>
                                           <p:spTgt spid="50"/>
                                         </p:tgtEl>
@@ -7651,20 +7917,20 @@
                           </p:cTn>
                         </p:par>
                         <p:par>
-                          <p:cTn id="145" fill="hold">
+                          <p:cTn id="153" fill="hold">
                             <p:stCondLst>
                               <p:cond delay="40500"/>
                             </p:stCondLst>
                             <p:childTnLst>
                               <p:par>
-                                <p:cTn id="146" presetID="42" presetClass="path" presetSubtype="0" accel="50000" decel="50000" fill="hold" grpId="1" nodeType="afterEffect">
+                                <p:cTn id="154" presetID="42" presetClass="path" presetSubtype="0" accel="50000" decel="50000" fill="hold" grpId="1" nodeType="afterEffect">
                                   <p:stCondLst>
                                     <p:cond delay="0"/>
                                   </p:stCondLst>
                                   <p:childTnLst>
                                     <p:animMotion origin="layout" path="M -2.70833E-6 1.11111E-6 L -0.08854 0.04467 " pathEditMode="relative" rAng="0" ptsTypes="AA">
                                       <p:cBhvr>
-                                        <p:cTn id="147" dur="2000" fill="hold"/>
+                                        <p:cTn id="155" dur="2000" fill="hold"/>
                                         <p:tgtEl>
                                           <p:spTgt spid="49"/>
                                         </p:tgtEl>
@@ -7679,14 +7945,14 @@
                                 </p:cTn>
                               </p:par>
                               <p:par>
-                                <p:cTn id="148" presetID="42" presetClass="path" presetSubtype="0" accel="50000" decel="50000" fill="hold" grpId="1" nodeType="withEffect">
+                                <p:cTn id="156" presetID="42" presetClass="path" presetSubtype="0" accel="50000" decel="50000" fill="hold" grpId="1" nodeType="withEffect">
                                   <p:stCondLst>
                                     <p:cond delay="0"/>
                                   </p:stCondLst>
                                   <p:childTnLst>
                                     <p:animMotion origin="layout" path="M -2.70833E-6 -3.33333E-6 L -0.09661 -0.00092 " pathEditMode="relative" rAng="0" ptsTypes="AA">
                                       <p:cBhvr>
-                                        <p:cTn id="149" dur="2000" fill="hold"/>
+                                        <p:cTn id="157" dur="2000" fill="hold"/>
                                         <p:tgtEl>
                                           <p:spTgt spid="50"/>
                                         </p:tgtEl>
@@ -7704,20 +7970,20 @@
                           </p:cTn>
                         </p:par>
                         <p:par>
-                          <p:cTn id="150" fill="hold">
+                          <p:cTn id="158" fill="hold">
                             <p:stCondLst>
                               <p:cond delay="42500"/>
                             </p:stCondLst>
                             <p:childTnLst>
                               <p:par>
-                                <p:cTn id="151" presetID="10" presetClass="exit" presetSubtype="0" fill="hold" grpId="2" nodeType="afterEffect">
+                                <p:cTn id="159" presetID="10" presetClass="exit" presetSubtype="0" fill="hold" grpId="2" nodeType="afterEffect">
                                   <p:stCondLst>
                                     <p:cond delay="0"/>
                                   </p:stCondLst>
                                   <p:childTnLst>
                                     <p:animEffect transition="out" filter="fade">
                                       <p:cBhvr>
-                                        <p:cTn id="152" dur="2000"/>
+                                        <p:cTn id="160" dur="2000"/>
                                         <p:tgtEl>
                                           <p:spTgt spid="49"/>
                                         </p:tgtEl>
@@ -7725,7 +7991,7 @@
                                     </p:animEffect>
                                     <p:set>
                                       <p:cBhvr>
-                                        <p:cTn id="153" dur="1" fill="hold">
+                                        <p:cTn id="161" dur="1" fill="hold">
                                           <p:stCondLst>
                                             <p:cond delay="1999"/>
                                           </p:stCondLst>
@@ -7745,14 +8011,14 @@
                                 </p:cTn>
                               </p:par>
                               <p:par>
-                                <p:cTn id="154" presetID="10" presetClass="exit" presetSubtype="0" fill="hold" grpId="2" nodeType="withEffect">
+                                <p:cTn id="162" presetID="10" presetClass="exit" presetSubtype="0" fill="hold" grpId="2" nodeType="withEffect">
                                   <p:stCondLst>
                                     <p:cond delay="0"/>
                                   </p:stCondLst>
                                   <p:childTnLst>
                                     <p:animEffect transition="out" filter="fade">
                                       <p:cBhvr>
-                                        <p:cTn id="155" dur="2000"/>
+                                        <p:cTn id="163" dur="2000"/>
                                         <p:tgtEl>
                                           <p:spTgt spid="50"/>
                                         </p:tgtEl>
@@ -7760,7 +8026,7 @@
                                     </p:animEffect>
                                     <p:set>
                                       <p:cBhvr>
-                                        <p:cTn id="156" dur="1" fill="hold">
+                                        <p:cTn id="164" dur="1" fill="hold">
                                           <p:stCondLst>
                                             <p:cond delay="1999"/>
                                           </p:stCondLst>
@@ -7783,20 +8049,20 @@
                           </p:cTn>
                         </p:par>
                         <p:par>
-                          <p:cTn id="157" fill="hold">
+                          <p:cTn id="165" fill="hold">
                             <p:stCondLst>
                               <p:cond delay="44500"/>
                             </p:stCondLst>
                             <p:childTnLst>
                               <p:par>
-                                <p:cTn id="158" presetID="10" presetClass="exit" presetSubtype="0" fill="hold" grpId="1" nodeType="afterEffect">
+                                <p:cTn id="166" presetID="10" presetClass="exit" presetSubtype="0" fill="hold" grpId="1" nodeType="afterEffect">
                                   <p:stCondLst>
                                     <p:cond delay="0"/>
                                   </p:stCondLst>
                                   <p:childTnLst>
                                     <p:animEffect transition="out" filter="fade">
                                       <p:cBhvr>
-                                        <p:cTn id="159" dur="2000"/>
+                                        <p:cTn id="167" dur="2000"/>
                                         <p:tgtEl>
                                           <p:spTgt spid="35"/>
                                         </p:tgtEl>
@@ -7804,7 +8070,7 @@
                                     </p:animEffect>
                                     <p:set>
                                       <p:cBhvr>
-                                        <p:cTn id="160" dur="1" fill="hold">
+                                        <p:cTn id="168" dur="1" fill="hold">
                                           <p:stCondLst>
                                             <p:cond delay="1999"/>
                                           </p:stCondLst>
@@ -7824,14 +8090,14 @@
                                 </p:cTn>
                               </p:par>
                               <p:par>
-                                <p:cTn id="161" presetID="10" presetClass="entr" presetSubtype="0" fill="hold" nodeType="withEffect">
+                                <p:cTn id="169" presetID="10" presetClass="entr" presetSubtype="0" fill="hold" nodeType="withEffect">
                                   <p:stCondLst>
                                     <p:cond delay="0"/>
                                   </p:stCondLst>
                                   <p:childTnLst>
                                     <p:set>
                                       <p:cBhvr>
-                                        <p:cTn id="162" dur="1" fill="hold">
+                                        <p:cTn id="170" dur="1" fill="hold">
                                           <p:stCondLst>
                                             <p:cond delay="0"/>
                                           </p:stCondLst>
@@ -7849,7 +8115,7 @@
                                     </p:set>
                                     <p:animEffect transition="in" filter="fade">
                                       <p:cBhvr>
-                                        <p:cTn id="163" dur="2000"/>
+                                        <p:cTn id="171" dur="2000"/>
                                         <p:tgtEl>
                                           <p:spTgt spid="3"/>
                                         </p:tgtEl>
@@ -7862,20 +8128,20 @@
                           </p:cTn>
                         </p:par>
                         <p:par>
-                          <p:cTn id="164" fill="hold">
+                          <p:cTn id="172" fill="hold">
                             <p:stCondLst>
                               <p:cond delay="46500"/>
                             </p:stCondLst>
                             <p:childTnLst>
                               <p:par>
-                                <p:cTn id="165" presetID="10" presetClass="entr" presetSubtype="0" fill="hold" grpId="0" nodeType="afterEffect">
+                                <p:cTn id="173" presetID="10" presetClass="entr" presetSubtype="0" fill="hold" grpId="0" nodeType="afterEffect">
                                   <p:stCondLst>
                                     <p:cond delay="0"/>
                                   </p:stCondLst>
                                   <p:childTnLst>
                                     <p:set>
                                       <p:cBhvr>
-                                        <p:cTn id="166" dur="1" fill="hold">
+                                        <p:cTn id="174" dur="1" fill="hold">
                                           <p:stCondLst>
                                             <p:cond delay="0"/>
                                           </p:stCondLst>
@@ -7893,7 +8159,7 @@
                                     </p:set>
                                     <p:animEffect transition="in" filter="fade">
                                       <p:cBhvr>
-                                        <p:cTn id="167" dur="2000"/>
+                                        <p:cTn id="175" dur="2000"/>
                                         <p:tgtEl>
                                           <p:spTgt spid="32"/>
                                         </p:tgtEl>
@@ -7906,20 +8172,20 @@
                           </p:cTn>
                         </p:par>
                         <p:par>
-                          <p:cTn id="168" fill="hold">
+                          <p:cTn id="176" fill="hold">
                             <p:stCondLst>
                               <p:cond delay="48500"/>
                             </p:stCondLst>
                             <p:childTnLst>
                               <p:par>
-                                <p:cTn id="169" presetID="10" presetClass="entr" presetSubtype="0" fill="hold" grpId="0" nodeType="afterEffect">
+                                <p:cTn id="177" presetID="10" presetClass="entr" presetSubtype="0" fill="hold" grpId="0" nodeType="afterEffect">
                                   <p:stCondLst>
                                     <p:cond delay="0"/>
                                   </p:stCondLst>
                                   <p:childTnLst>
                                     <p:set>
                                       <p:cBhvr>
-                                        <p:cTn id="170" dur="1" fill="hold">
+                                        <p:cTn id="178" dur="1" fill="hold">
                                           <p:stCondLst>
                                             <p:cond delay="0"/>
                                           </p:stCondLst>
@@ -7937,7 +8203,7 @@
                                     </p:set>
                                     <p:animEffect transition="in" filter="fade">
                                       <p:cBhvr>
-                                        <p:cTn id="171" dur="2000"/>
+                                        <p:cTn id="179" dur="2000"/>
                                         <p:tgtEl>
                                           <p:spTgt spid="51"/>
                                         </p:tgtEl>
@@ -7947,14 +8213,14 @@
                                 </p:cTn>
                               </p:par>
                               <p:par>
-                                <p:cTn id="172" presetID="10" presetClass="entr" presetSubtype="0" fill="hold" grpId="0" nodeType="withEffect">
+                                <p:cTn id="180" presetID="10" presetClass="entr" presetSubtype="0" fill="hold" grpId="0" nodeType="withEffect">
                                   <p:stCondLst>
                                     <p:cond delay="0"/>
                                   </p:stCondLst>
                                   <p:childTnLst>
                                     <p:set>
                                       <p:cBhvr>
-                                        <p:cTn id="173" dur="1" fill="hold">
+                                        <p:cTn id="181" dur="1" fill="hold">
                                           <p:stCondLst>
                                             <p:cond delay="0"/>
                                           </p:stCondLst>
@@ -7972,7 +8238,7 @@
                                     </p:set>
                                     <p:animEffect transition="in" filter="fade">
                                       <p:cBhvr>
-                                        <p:cTn id="174" dur="2000"/>
+                                        <p:cTn id="182" dur="2000"/>
                                         <p:tgtEl>
                                           <p:spTgt spid="52"/>
                                         </p:tgtEl>
@@ -7985,20 +8251,20 @@
                           </p:cTn>
                         </p:par>
                         <p:par>
-                          <p:cTn id="175" fill="hold">
+                          <p:cTn id="183" fill="hold">
                             <p:stCondLst>
                               <p:cond delay="50500"/>
                             </p:stCondLst>
                             <p:childTnLst>
                               <p:par>
-                                <p:cTn id="176" presetID="42" presetClass="path" presetSubtype="0" accel="50000" decel="50000" fill="hold" grpId="1" nodeType="afterEffect">
+                                <p:cTn id="184" presetID="42" presetClass="path" presetSubtype="0" accel="50000" decel="50000" fill="hold" grpId="1" nodeType="afterEffect">
                                   <p:stCondLst>
                                     <p:cond delay="0"/>
                                   </p:stCondLst>
                                   <p:childTnLst>
                                     <p:animMotion origin="layout" path="M 1.25E-6 -2.59259E-6 L -0.04636 -0.20046 " pathEditMode="relative" rAng="0" ptsTypes="AA">
                                       <p:cBhvr>
-                                        <p:cTn id="177" dur="2000" fill="hold"/>
+                                        <p:cTn id="185" dur="2000" fill="hold"/>
                                         <p:tgtEl>
                                           <p:spTgt spid="51"/>
                                         </p:tgtEl>
@@ -8013,14 +8279,14 @@
                                 </p:cTn>
                               </p:par>
                               <p:par>
-                                <p:cTn id="178" presetID="42" presetClass="path" presetSubtype="0" accel="50000" decel="50000" fill="hold" grpId="1" nodeType="withEffect">
+                                <p:cTn id="186" presetID="42" presetClass="path" presetSubtype="0" accel="50000" decel="50000" fill="hold" grpId="1" nodeType="withEffect">
                                   <p:stCondLst>
                                     <p:cond delay="0"/>
                                   </p:stCondLst>
                                   <p:childTnLst>
                                     <p:animMotion origin="layout" path="M -3.125E-6 -2.22222E-6 L -0.04635 -0.20046 " pathEditMode="relative" rAng="0" ptsTypes="AA">
                                       <p:cBhvr>
-                                        <p:cTn id="179" dur="2000" fill="hold"/>
+                                        <p:cTn id="187" dur="2000" fill="hold"/>
                                         <p:tgtEl>
                                           <p:spTgt spid="52"/>
                                         </p:tgtEl>
@@ -8038,20 +8304,20 @@
                           </p:cTn>
                         </p:par>
                         <p:par>
-                          <p:cTn id="180" fill="hold">
+                          <p:cTn id="188" fill="hold">
                             <p:stCondLst>
                               <p:cond delay="52500"/>
                             </p:stCondLst>
                             <p:childTnLst>
                               <p:par>
-                                <p:cTn id="181" presetID="10" presetClass="exit" presetSubtype="0" fill="hold" grpId="2" nodeType="afterEffect">
+                                <p:cTn id="189" presetID="10" presetClass="exit" presetSubtype="0" fill="hold" grpId="2" nodeType="afterEffect">
                                   <p:stCondLst>
                                     <p:cond delay="0"/>
                                   </p:stCondLst>
                                   <p:childTnLst>
                                     <p:animEffect transition="out" filter="fade">
                                       <p:cBhvr>
-                                        <p:cTn id="182" dur="2000"/>
+                                        <p:cTn id="190" dur="2000"/>
                                         <p:tgtEl>
                                           <p:spTgt spid="51"/>
                                         </p:tgtEl>
@@ -8059,7 +8325,7 @@
                                     </p:animEffect>
                                     <p:set>
                                       <p:cBhvr>
-                                        <p:cTn id="183" dur="1" fill="hold">
+                                        <p:cTn id="191" dur="1" fill="hold">
                                           <p:stCondLst>
                                             <p:cond delay="1999"/>
                                           </p:stCondLst>
@@ -8079,14 +8345,14 @@
                                 </p:cTn>
                               </p:par>
                               <p:par>
-                                <p:cTn id="184" presetID="10" presetClass="exit" presetSubtype="0" fill="hold" grpId="2" nodeType="withEffect">
+                                <p:cTn id="192" presetID="10" presetClass="exit" presetSubtype="0" fill="hold" grpId="2" nodeType="withEffect">
                                   <p:stCondLst>
                                     <p:cond delay="0"/>
                                   </p:stCondLst>
                                   <p:childTnLst>
                                     <p:animEffect transition="out" filter="fade">
                                       <p:cBhvr>
-                                        <p:cTn id="185" dur="2000"/>
+                                        <p:cTn id="193" dur="2000"/>
                                         <p:tgtEl>
                                           <p:spTgt spid="52"/>
                                         </p:tgtEl>
@@ -8094,7 +8360,7 @@
                                     </p:animEffect>
                                     <p:set>
                                       <p:cBhvr>
-                                        <p:cTn id="186" dur="1" fill="hold">
+                                        <p:cTn id="194" dur="1" fill="hold">
                                           <p:stCondLst>
                                             <p:cond delay="1999"/>
                                           </p:stCondLst>
@@ -8117,20 +8383,20 @@
                           </p:cTn>
                         </p:par>
                         <p:par>
-                          <p:cTn id="187" fill="hold">
+                          <p:cTn id="195" fill="hold">
                             <p:stCondLst>
                               <p:cond delay="54500"/>
                             </p:stCondLst>
                             <p:childTnLst>
                               <p:par>
-                                <p:cTn id="188" presetID="10" presetClass="exit" presetSubtype="0" fill="hold" grpId="1" nodeType="afterEffect">
+                                <p:cTn id="196" presetID="10" presetClass="exit" presetSubtype="0" fill="hold" grpId="1" nodeType="afterEffect">
                                   <p:stCondLst>
                                     <p:cond delay="0"/>
                                   </p:stCondLst>
                                   <p:childTnLst>
                                     <p:animEffect transition="out" filter="fade">
                                       <p:cBhvr>
-                                        <p:cTn id="189" dur="2000"/>
+                                        <p:cTn id="197" dur="2000"/>
                                         <p:tgtEl>
                                           <p:spTgt spid="32"/>
                                         </p:tgtEl>
@@ -8138,7 +8404,7 @@
                                     </p:animEffect>
                                     <p:set>
                                       <p:cBhvr>
-                                        <p:cTn id="190" dur="1" fill="hold">
+                                        <p:cTn id="198" dur="1" fill="hold">
                                           <p:stCondLst>
                                             <p:cond delay="1999"/>
                                           </p:stCondLst>
@@ -8239,6 +8505,9 @@
       <p:bldP spid="52" grpId="0" animBg="1"/>
       <p:bldP spid="52" grpId="1" animBg="1"/>
       <p:bldP spid="52" grpId="2" animBg="1"/>
+      <p:bldP spid="54" grpId="0" animBg="1"/>
+      <p:bldP spid="54" grpId="1" animBg="1"/>
+      <p:bldP spid="54" grpId="2" animBg="1"/>
     </p:bldLst>
   </p:timing>
 </p:sld>
